--- a/results/Fig2_Sep30.pptx
+++ b/results/Fig2_Sep30.pptx
@@ -259,7 +259,7 @@
           <a:p>
             <a:fld id="{78D5B6D1-0BB0-4220-8300-A99539D6CC8F}" type="datetimeFigureOut">
               <a:rPr lang="en-US" smtClean="0"/>
-              <a:t>9/30/2022</a:t>
+              <a:t>10/1/22</a:t>
             </a:fld>
             <a:endParaRPr lang="en-US"/>
           </a:p>
@@ -457,7 +457,7 @@
           <a:p>
             <a:fld id="{78D5B6D1-0BB0-4220-8300-A99539D6CC8F}" type="datetimeFigureOut">
               <a:rPr lang="en-US" smtClean="0"/>
-              <a:t>9/30/2022</a:t>
+              <a:t>10/1/22</a:t>
             </a:fld>
             <a:endParaRPr lang="en-US"/>
           </a:p>
@@ -665,7 +665,7 @@
           <a:p>
             <a:fld id="{78D5B6D1-0BB0-4220-8300-A99539D6CC8F}" type="datetimeFigureOut">
               <a:rPr lang="en-US" smtClean="0"/>
-              <a:t>9/30/2022</a:t>
+              <a:t>10/1/22</a:t>
             </a:fld>
             <a:endParaRPr lang="en-US"/>
           </a:p>
@@ -863,7 +863,7 @@
           <a:p>
             <a:fld id="{78D5B6D1-0BB0-4220-8300-A99539D6CC8F}" type="datetimeFigureOut">
               <a:rPr lang="en-US" smtClean="0"/>
-              <a:t>9/30/2022</a:t>
+              <a:t>10/1/22</a:t>
             </a:fld>
             <a:endParaRPr lang="en-US"/>
           </a:p>
@@ -1138,7 +1138,7 @@
           <a:p>
             <a:fld id="{78D5B6D1-0BB0-4220-8300-A99539D6CC8F}" type="datetimeFigureOut">
               <a:rPr lang="en-US" smtClean="0"/>
-              <a:t>9/30/2022</a:t>
+              <a:t>10/1/22</a:t>
             </a:fld>
             <a:endParaRPr lang="en-US"/>
           </a:p>
@@ -1403,7 +1403,7 @@
           <a:p>
             <a:fld id="{78D5B6D1-0BB0-4220-8300-A99539D6CC8F}" type="datetimeFigureOut">
               <a:rPr lang="en-US" smtClean="0"/>
-              <a:t>9/30/2022</a:t>
+              <a:t>10/1/22</a:t>
             </a:fld>
             <a:endParaRPr lang="en-US"/>
           </a:p>
@@ -1815,7 +1815,7 @@
           <a:p>
             <a:fld id="{78D5B6D1-0BB0-4220-8300-A99539D6CC8F}" type="datetimeFigureOut">
               <a:rPr lang="en-US" smtClean="0"/>
-              <a:t>9/30/2022</a:t>
+              <a:t>10/1/22</a:t>
             </a:fld>
             <a:endParaRPr lang="en-US"/>
           </a:p>
@@ -1956,7 +1956,7 @@
           <a:p>
             <a:fld id="{78D5B6D1-0BB0-4220-8300-A99539D6CC8F}" type="datetimeFigureOut">
               <a:rPr lang="en-US" smtClean="0"/>
-              <a:t>9/30/2022</a:t>
+              <a:t>10/1/22</a:t>
             </a:fld>
             <a:endParaRPr lang="en-US"/>
           </a:p>
@@ -2069,7 +2069,7 @@
           <a:p>
             <a:fld id="{78D5B6D1-0BB0-4220-8300-A99539D6CC8F}" type="datetimeFigureOut">
               <a:rPr lang="en-US" smtClean="0"/>
-              <a:t>9/30/2022</a:t>
+              <a:t>10/1/22</a:t>
             </a:fld>
             <a:endParaRPr lang="en-US"/>
           </a:p>
@@ -2380,7 +2380,7 @@
           <a:p>
             <a:fld id="{78D5B6D1-0BB0-4220-8300-A99539D6CC8F}" type="datetimeFigureOut">
               <a:rPr lang="en-US" smtClean="0"/>
-              <a:t>9/30/2022</a:t>
+              <a:t>10/1/22</a:t>
             </a:fld>
             <a:endParaRPr lang="en-US"/>
           </a:p>
@@ -2668,7 +2668,7 @@
           <a:p>
             <a:fld id="{78D5B6D1-0BB0-4220-8300-A99539D6CC8F}" type="datetimeFigureOut">
               <a:rPr lang="en-US" smtClean="0"/>
-              <a:t>9/30/2022</a:t>
+              <a:t>10/1/22</a:t>
             </a:fld>
             <a:endParaRPr lang="en-US"/>
           </a:p>
@@ -2909,7 +2909,7 @@
           <a:p>
             <a:fld id="{78D5B6D1-0BB0-4220-8300-A99539D6CC8F}" type="datetimeFigureOut">
               <a:rPr lang="en-US" smtClean="0"/>
-              <a:t>9/30/2022</a:t>
+              <a:t>10/1/22</a:t>
             </a:fld>
             <a:endParaRPr lang="en-US"/>
           </a:p>
@@ -3436,10 +3436,10 @@
       </p:pic>
       <p:pic>
         <p:nvPicPr>
-          <p:cNvPr id="16" name="Picture 15" descr="Chart&#10;&#10;Description automatically generated">
-            <a:extLst>
-              <a:ext uri="{FF2B5EF4-FFF2-40B4-BE49-F238E27FC236}">
-                <a16:creationId xmlns:a16="http://schemas.microsoft.com/office/drawing/2014/main" id="{17AC840D-5FCA-AECE-C56D-A456A54A50B3}"/>
+          <p:cNvPr id="9" name="Picture 8" descr="Map&#10;&#10;Description automatically generated">
+            <a:extLst>
+              <a:ext uri="{FF2B5EF4-FFF2-40B4-BE49-F238E27FC236}">
+                <a16:creationId xmlns:a16="http://schemas.microsoft.com/office/drawing/2014/main" id="{FCF756DA-AC88-F12A-0F5F-4C263989ECC7}"/>
               </a:ext>
             </a:extLst>
           </p:cNvPr>
@@ -3450,42 +3450,6 @@
         </p:nvPicPr>
         <p:blipFill>
           <a:blip r:embed="rId5">
-            <a:extLst>
-              <a:ext uri="{28A0092B-C50C-407E-A947-70E740481C1C}">
-                <a14:useLocalDpi xmlns:a14="http://schemas.microsoft.com/office/drawing/2010/main" val="0"/>
-              </a:ext>
-            </a:extLst>
-          </a:blip>
-          <a:stretch>
-            <a:fillRect/>
-          </a:stretch>
-        </p:blipFill>
-        <p:spPr>
-          <a:xfrm>
-            <a:off x="9682689" y="2590040"/>
-            <a:ext cx="2498296" cy="2498296"/>
-          </a:xfrm>
-          <a:prstGeom prst="rect">
-            <a:avLst/>
-          </a:prstGeom>
-        </p:spPr>
-      </p:pic>
-      <p:pic>
-        <p:nvPicPr>
-          <p:cNvPr id="9" name="Picture 8" descr="Map&#10;&#10;Description automatically generated">
-            <a:extLst>
-              <a:ext uri="{FF2B5EF4-FFF2-40B4-BE49-F238E27FC236}">
-                <a16:creationId xmlns:a16="http://schemas.microsoft.com/office/drawing/2014/main" id="{FCF756DA-AC88-F12A-0F5F-4C263989ECC7}"/>
-              </a:ext>
-            </a:extLst>
-          </p:cNvPr>
-          <p:cNvPicPr>
-            <a:picLocks noChangeAspect="1"/>
-          </p:cNvPicPr>
-          <p:nvPr/>
-        </p:nvPicPr>
-        <p:blipFill>
-          <a:blip r:embed="rId6">
             <a:extLst>
               <a:ext uri="{28A0092B-C50C-407E-A947-70E740481C1C}">
                 <a14:useLocalDpi xmlns:a14="http://schemas.microsoft.com/office/drawing/2010/main" val="0"/>
@@ -3521,7 +3485,7 @@
           <p:nvPr/>
         </p:nvPicPr>
         <p:blipFill>
-          <a:blip r:embed="rId7">
+          <a:blip r:embed="rId6">
             <a:extLst>
               <a:ext uri="{28A0092B-C50C-407E-A947-70E740481C1C}">
                 <a14:useLocalDpi xmlns:a14="http://schemas.microsoft.com/office/drawing/2010/main" val="0"/>
@@ -3577,6 +3541,42 @@
           </a:p>
         </p:txBody>
       </p:sp>
+      <p:pic>
+        <p:nvPicPr>
+          <p:cNvPr id="7" name="Picture 6" descr="Chart, line chart&#10;&#10;Description automatically generated">
+            <a:extLst>
+              <a:ext uri="{FF2B5EF4-FFF2-40B4-BE49-F238E27FC236}">
+                <a16:creationId xmlns:a16="http://schemas.microsoft.com/office/drawing/2014/main" id="{7C18418B-8648-9B98-FEB1-74B1E11D4BA1}"/>
+              </a:ext>
+            </a:extLst>
+          </p:cNvPr>
+          <p:cNvPicPr>
+            <a:picLocks noChangeAspect="1"/>
+          </p:cNvPicPr>
+          <p:nvPr/>
+        </p:nvPicPr>
+        <p:blipFill>
+          <a:blip r:embed="rId7">
+            <a:extLst>
+              <a:ext uri="{28A0092B-C50C-407E-A947-70E740481C1C}">
+                <a14:useLocalDpi xmlns:a14="http://schemas.microsoft.com/office/drawing/2010/main" val="0"/>
+              </a:ext>
+            </a:extLst>
+          </a:blip>
+          <a:stretch>
+            <a:fillRect/>
+          </a:stretch>
+        </p:blipFill>
+        <p:spPr>
+          <a:xfrm>
+            <a:off x="9693704" y="2499321"/>
+            <a:ext cx="2498296" cy="2498296"/>
+          </a:xfrm>
+          <a:prstGeom prst="rect">
+            <a:avLst/>
+          </a:prstGeom>
+        </p:spPr>
+      </p:pic>
     </p:spTree>
     <p:extLst>
       <p:ext uri="{BB962C8B-B14F-4D97-AF65-F5344CB8AC3E}">
